--- a/model/regist/モデルシート(ver奥山)0831ABC-ADF.pptx
+++ b/model/regist/モデルシート(ver奥山)0831ABC-ADF.pptx
@@ -6625,17 +6625,14 @@
         </p:nvSpPr>
         <p:spPr>
           <a:xfrm>
-            <a:off x="3126790" y="48314"/>
+            <a:off x="3095463" y="48314"/>
             <a:ext cx="5959639" cy="6580414"/>
           </a:xfrm>
           <a:prstGeom prst="rect">
             <a:avLst/>
           </a:prstGeom>
           <a:solidFill>
-            <a:schemeClr val="bg1">
-              <a:lumMod val="95000"/>
-              <a:alpha val="80000"/>
-            </a:schemeClr>
+            <a:schemeClr val="bg1"/>
           </a:solidFill>
           <a:ln w="38100">
             <a:solidFill>
@@ -6682,7 +6679,7 @@
         </p:nvSpPr>
         <p:spPr>
           <a:xfrm>
-            <a:off x="3233009" y="81601"/>
+            <a:off x="3171373" y="85824"/>
             <a:ext cx="5845225" cy="2333297"/>
           </a:xfrm>
           <a:prstGeom prst="rect">
@@ -6728,8 +6725,8 @@
         </p:nvSpPr>
         <p:spPr>
           <a:xfrm>
-            <a:off x="3232758" y="2465261"/>
-            <a:ext cx="5853671" cy="4002844"/>
+            <a:off x="3170817" y="2460148"/>
+            <a:ext cx="5853671" cy="4099147"/>
           </a:xfrm>
           <a:prstGeom prst="rect">
             <a:avLst/>
@@ -6771,7 +6768,7 @@
         </p:nvSpPr>
         <p:spPr>
           <a:xfrm>
-            <a:off x="3278112" y="919396"/>
+            <a:off x="3235440" y="919396"/>
             <a:ext cx="1145443" cy="523220"/>
           </a:xfrm>
           <a:prstGeom prst="rect">
@@ -6898,7 +6895,7 @@
         </p:nvSpPr>
         <p:spPr>
           <a:xfrm>
-            <a:off x="3269076" y="136397"/>
+            <a:off x="3226404" y="136397"/>
             <a:ext cx="5717779" cy="396134"/>
           </a:xfrm>
           <a:prstGeom prst="roundRect">
@@ -6971,7 +6968,7 @@
         </p:nvSpPr>
         <p:spPr>
           <a:xfrm>
-            <a:off x="3271110" y="2544821"/>
+            <a:off x="3228438" y="2532629"/>
             <a:ext cx="5715745" cy="411122"/>
           </a:xfrm>
           <a:prstGeom prst="roundRect">
@@ -7026,7 +7023,7 @@
         </p:nvSpPr>
         <p:spPr>
           <a:xfrm>
-            <a:off x="3269076" y="579670"/>
+            <a:off x="3232500" y="579670"/>
             <a:ext cx="1164165" cy="296316"/>
           </a:xfrm>
           <a:prstGeom prst="roundRect">
@@ -7086,7 +7083,7 @@
         </p:nvSpPr>
         <p:spPr>
           <a:xfrm>
-            <a:off x="4743044" y="577805"/>
+            <a:off x="4706468" y="577805"/>
             <a:ext cx="4243811" cy="296316"/>
           </a:xfrm>
           <a:prstGeom prst="roundRect">
@@ -7167,7 +7164,7 @@
         </p:nvSpPr>
         <p:spPr>
           <a:xfrm>
-            <a:off x="3296163" y="3005609"/>
+            <a:off x="3235203" y="3005609"/>
             <a:ext cx="1934785" cy="293667"/>
           </a:xfrm>
           <a:prstGeom prst="roundRect">
@@ -7224,7 +7221,7 @@
         </p:nvSpPr>
         <p:spPr>
           <a:xfrm>
-            <a:off x="3310788" y="3361089"/>
+            <a:off x="3237636" y="3361089"/>
             <a:ext cx="1924533" cy="1492716"/>
           </a:xfrm>
           <a:prstGeom prst="rect">
@@ -7368,7 +7365,7 @@
         </p:nvSpPr>
         <p:spPr>
           <a:xfrm>
-            <a:off x="5326131" y="3004285"/>
+            <a:off x="5277363" y="3004285"/>
             <a:ext cx="3667261" cy="296316"/>
           </a:xfrm>
           <a:prstGeom prst="roundRect">
@@ -7425,7 +7422,7 @@
         </p:nvSpPr>
         <p:spPr>
           <a:xfrm>
-            <a:off x="5321925" y="3338521"/>
+            <a:off x="5279253" y="3338521"/>
             <a:ext cx="3658517" cy="540557"/>
           </a:xfrm>
           <a:prstGeom prst="roundRect">
@@ -7535,7 +7532,7 @@
         </p:nvSpPr>
         <p:spPr>
           <a:xfrm>
-            <a:off x="5425686" y="3608800"/>
+            <a:off x="5395206" y="3608800"/>
             <a:ext cx="1457674" cy="215444"/>
           </a:xfrm>
           <a:prstGeom prst="rect">
@@ -7899,7 +7896,7 @@
         </p:nvSpPr>
         <p:spPr>
           <a:xfrm>
-            <a:off x="5316628" y="3913515"/>
+            <a:off x="5280052" y="3913515"/>
             <a:ext cx="3663814" cy="275460"/>
           </a:xfrm>
           <a:prstGeom prst="roundRect">
@@ -7959,7 +7956,7 @@
         </p:nvSpPr>
         <p:spPr>
           <a:xfrm>
-            <a:off x="3275614" y="2131469"/>
+            <a:off x="3239038" y="2131469"/>
             <a:ext cx="5717778" cy="235964"/>
           </a:xfrm>
           <a:prstGeom prst="roundRect">
@@ -8025,7 +8022,7 @@
         </p:nvSpPr>
         <p:spPr>
           <a:xfrm>
-            <a:off x="5294090" y="5568150"/>
+            <a:off x="5239226" y="5568150"/>
             <a:ext cx="3697805" cy="875845"/>
           </a:xfrm>
           <a:prstGeom prst="roundRect">
@@ -8274,7 +8271,7 @@
         </p:nvSpPr>
         <p:spPr>
           <a:xfrm>
-            <a:off x="3296163" y="4904169"/>
+            <a:off x="3235203" y="4904169"/>
             <a:ext cx="1933710" cy="1547800"/>
           </a:xfrm>
           <a:prstGeom prst="roundRect">
@@ -8340,7 +8337,7 @@
         </p:nvSpPr>
         <p:spPr>
           <a:xfrm>
-            <a:off x="3351610" y="5673322"/>
+            <a:off x="3302842" y="5673322"/>
             <a:ext cx="1795786" cy="224230"/>
           </a:xfrm>
           <a:prstGeom prst="roundRect">
@@ -8404,8 +8401,8 @@
         </p:nvSpPr>
         <p:spPr>
           <a:xfrm>
-            <a:off x="3351610" y="4952827"/>
-            <a:ext cx="1824910" cy="229177"/>
+            <a:off x="3302842" y="4952827"/>
+            <a:ext cx="1795786" cy="229177"/>
           </a:xfrm>
           <a:prstGeom prst="roundRect">
             <a:avLst/>
@@ -8511,7 +8508,7 @@
         </p:nvSpPr>
         <p:spPr>
           <a:xfrm>
-            <a:off x="4767331" y="919396"/>
+            <a:off x="4718563" y="919396"/>
             <a:ext cx="1117599" cy="523220"/>
           </a:xfrm>
           <a:prstGeom prst="rect">
@@ -8573,7 +8570,7 @@
         </p:nvSpPr>
         <p:spPr>
           <a:xfrm>
-            <a:off x="3280492" y="1503503"/>
+            <a:off x="3237820" y="1503503"/>
             <a:ext cx="5706363" cy="369332"/>
           </a:xfrm>
           <a:prstGeom prst="rect">
@@ -8799,7 +8796,7 @@
         </p:nvSpPr>
         <p:spPr>
           <a:xfrm>
-            <a:off x="6248676" y="923103"/>
+            <a:off x="6206004" y="923103"/>
             <a:ext cx="1137449" cy="523220"/>
           </a:xfrm>
           <a:prstGeom prst="rect">
@@ -8854,7 +8851,7 @@
         </p:nvSpPr>
         <p:spPr>
           <a:xfrm>
-            <a:off x="4338067" y="1214479"/>
+            <a:off x="4307587" y="1214479"/>
             <a:ext cx="407941" cy="183007"/>
           </a:xfrm>
           <a:prstGeom prst="rightArrow">
@@ -8902,7 +8899,7 @@
         </p:nvSpPr>
         <p:spPr>
           <a:xfrm>
-            <a:off x="7761883" y="926301"/>
+            <a:off x="7713115" y="926301"/>
             <a:ext cx="1224972" cy="523220"/>
           </a:xfrm>
           <a:prstGeom prst="rect">
@@ -8957,7 +8954,7 @@
         </p:nvSpPr>
         <p:spPr>
           <a:xfrm>
-            <a:off x="7352326" y="1222736"/>
+            <a:off x="7303558" y="1222736"/>
             <a:ext cx="398345" cy="169692"/>
           </a:xfrm>
           <a:prstGeom prst="rightArrow">
@@ -9005,7 +9002,7 @@
         </p:nvSpPr>
         <p:spPr>
           <a:xfrm>
-            <a:off x="5850331" y="1212292"/>
+            <a:off x="5789371" y="1212292"/>
             <a:ext cx="398345" cy="169692"/>
           </a:xfrm>
           <a:prstGeom prst="rightArrow">
@@ -9053,7 +9050,7 @@
         </p:nvSpPr>
         <p:spPr>
           <a:xfrm>
-            <a:off x="3279648" y="1896359"/>
+            <a:off x="3236976" y="1896359"/>
             <a:ext cx="5707206" cy="207854"/>
           </a:xfrm>
           <a:prstGeom prst="roundRect">
@@ -9761,7 +9758,7 @@
         </p:nvSpPr>
         <p:spPr>
           <a:xfrm>
-            <a:off x="3354497" y="5307704"/>
+            <a:off x="3311825" y="5307704"/>
             <a:ext cx="1789086" cy="218569"/>
           </a:xfrm>
           <a:prstGeom prst="roundRect">
@@ -9911,7 +9908,7 @@
         </p:nvSpPr>
         <p:spPr>
           <a:xfrm>
-            <a:off x="3351610" y="5921242"/>
+            <a:off x="3296746" y="5921242"/>
             <a:ext cx="1795786" cy="224230"/>
           </a:xfrm>
           <a:prstGeom prst="roundRect">
@@ -10041,7 +10038,7 @@
         </p:nvSpPr>
         <p:spPr>
           <a:xfrm>
-            <a:off x="3351610" y="2168830"/>
+            <a:off x="3351610" y="2156638"/>
             <a:ext cx="1366619" cy="183660"/>
           </a:xfrm>
           <a:prstGeom prst="roundRect">
@@ -10612,8 +10609,8 @@
         </p:nvSpPr>
         <p:spPr>
           <a:xfrm>
-            <a:off x="45173" y="1182628"/>
-            <a:ext cx="2980766" cy="3577530"/>
+            <a:off x="45173" y="1377696"/>
+            <a:ext cx="2980766" cy="3322983"/>
           </a:xfrm>
           <a:prstGeom prst="rect">
             <a:avLst/>
@@ -10722,7 +10719,7 @@
         </p:nvSpPr>
         <p:spPr>
           <a:xfrm>
-            <a:off x="131223" y="1653103"/>
+            <a:off x="112510" y="1806514"/>
             <a:ext cx="2808666" cy="477054"/>
           </a:xfrm>
           <a:prstGeom prst="rect">
@@ -10792,7 +10789,7 @@
         </p:nvSpPr>
         <p:spPr>
           <a:xfrm>
-            <a:off x="123313" y="2222527"/>
+            <a:off x="91441" y="2346995"/>
             <a:ext cx="2808666" cy="1338828"/>
           </a:xfrm>
           <a:prstGeom prst="rect">
@@ -10871,21 +10868,7 @@
                 <a:latin typeface="游ゴシック Medium" panose="020B0500000000000000" pitchFamily="50" charset="-128"/>
                 <a:ea typeface="游ゴシック Medium" panose="020B0500000000000000" pitchFamily="50" charset="-128"/>
               </a:rPr>
-              <a:t>ナビゲータクラスは、全ての入力センサー</a:t>
-            </a:r>
-            <a:r>
-              <a:rPr lang="ja-JP" altLang="en-US" sz="800" dirty="0" smtClean="0">
-                <a:latin typeface="游ゴシック Medium" panose="020B0500000000000000" pitchFamily="50" charset="-128"/>
-                <a:ea typeface="游ゴシック Medium" panose="020B0500000000000000" pitchFamily="50" charset="-128"/>
-              </a:rPr>
-              <a:t>から取得</a:t>
-            </a:r>
-            <a:r>
-              <a:rPr lang="ja-JP" altLang="en-US" sz="800" dirty="0" smtClean="0">
-                <a:latin typeface="游ゴシック Medium" panose="020B0500000000000000" pitchFamily="50" charset="-128"/>
-                <a:ea typeface="游ゴシック Medium" panose="020B0500000000000000" pitchFamily="50" charset="-128"/>
-              </a:rPr>
-              <a:t>したデータを集積し、ドライバおよび走行パッケージへの情報提供を行う。</a:t>
+              <a:t>ナビゲータクラスは、全ての入力センサーから取得したデータを集積し、ドライバおよび走行パッケージへの情報提供を行う。</a:t>
             </a:r>
             <a:endParaRPr lang="en-US" altLang="ja-JP" sz="800" dirty="0" smtClean="0">
               <a:latin typeface="游ゴシック Medium" panose="020B0500000000000000" pitchFamily="50" charset="-128"/>
@@ -10921,7 +10904,7 @@
         </p:nvSpPr>
         <p:spPr>
           <a:xfrm>
-            <a:off x="131223" y="3685617"/>
+            <a:off x="112510" y="3768134"/>
             <a:ext cx="2808666" cy="846386"/>
           </a:xfrm>
           <a:prstGeom prst="rect">
@@ -11000,21 +10983,7 @@
                 <a:latin typeface="游ゴシック Medium" panose="020B0500000000000000" pitchFamily="50" charset="-128"/>
                 <a:ea typeface="游ゴシック Medium" panose="020B0500000000000000" pitchFamily="50" charset="-128"/>
               </a:rPr>
-              <a:t>＝</a:t>
-            </a:r>
-            <a:r>
-              <a:rPr lang="ja-JP" altLang="en-US" sz="800" dirty="0" smtClean="0">
-                <a:latin typeface="游ゴシック Medium" panose="020B0500000000000000" pitchFamily="50" charset="-128"/>
-                <a:ea typeface="游ゴシック Medium" panose="020B0500000000000000" pitchFamily="50" charset="-128"/>
-              </a:rPr>
-              <a:t>モータの</a:t>
-            </a:r>
-            <a:r>
-              <a:rPr lang="ja-JP" altLang="en-US" sz="800" dirty="0" smtClean="0">
-                <a:latin typeface="游ゴシック Medium" panose="020B0500000000000000" pitchFamily="50" charset="-128"/>
-                <a:ea typeface="游ゴシック Medium" panose="020B0500000000000000" pitchFamily="50" charset="-128"/>
-              </a:rPr>
-              <a:t>駆動</a:t>
+              <a:t>＝モータの駆動</a:t>
             </a:r>
             <a:r>
               <a:rPr lang="en-US" altLang="ja-JP" sz="800" dirty="0" smtClean="0">
@@ -11045,8 +11014,8 @@
         </p:nvSpPr>
         <p:spPr>
           <a:xfrm>
-            <a:off x="112510" y="1265614"/>
-            <a:ext cx="2797783" cy="241751"/>
+            <a:off x="117951" y="1479860"/>
+            <a:ext cx="2797783" cy="263227"/>
           </a:xfrm>
           <a:prstGeom prst="roundRect">
             <a:avLst/>
@@ -11234,7 +11203,7 @@
         </p:nvSpPr>
         <p:spPr>
           <a:xfrm>
-            <a:off x="5866119" y="5215319"/>
+            <a:off x="5832676" y="5215319"/>
             <a:ext cx="3190700" cy="1428403"/>
           </a:xfrm>
           <a:prstGeom prst="roundRect">
@@ -11488,82 +11457,9 @@
           </a:p>
         </p:txBody>
       </p:sp>
-      <p:sp>
-        <p:nvSpPr>
-          <p:cNvPr id="33" name="テキスト ボックス 32"/>
-          <p:cNvSpPr txBox="1"/>
-          <p:nvPr/>
-        </p:nvSpPr>
-        <p:spPr>
-          <a:xfrm>
-            <a:off x="3171813" y="5294834"/>
-            <a:ext cx="2534938" cy="630942"/>
-          </a:xfrm>
-          <a:prstGeom prst="rect">
-            <a:avLst/>
-          </a:prstGeom>
-          <a:noFill/>
-        </p:spPr>
-        <p:txBody>
-          <a:bodyPr wrap="square" rtlCol="0">
-            <a:spAutoFit/>
-          </a:bodyPr>
-          <a:lstStyle/>
-          <a:p>
-            <a:r>
-              <a:rPr lang="ja-JP" altLang="en-US" sz="700" dirty="0" smtClean="0">
-                <a:latin typeface="游ゴシック Medium" panose="020B0500000000000000" pitchFamily="50" charset="-128"/>
-                <a:ea typeface="游ゴシック Medium" panose="020B0500000000000000" pitchFamily="50" charset="-128"/>
-              </a:rPr>
-              <a:t>安定スタート</a:t>
-            </a:r>
-            <a:r>
-              <a:rPr lang="en-US" altLang="ja-JP" sz="700" dirty="0" smtClean="0">
-                <a:latin typeface="游ゴシック Medium" panose="020B0500000000000000" pitchFamily="50" charset="-128"/>
-                <a:ea typeface="游ゴシック Medium" panose="020B0500000000000000" pitchFamily="50" charset="-128"/>
-              </a:rPr>
-              <a:t>:</a:t>
-            </a:r>
-          </a:p>
-          <a:p>
-            <a:pPr marL="358775" indent="-358775"/>
-            <a:r>
-              <a:rPr lang="en-US" altLang="ja-JP" sz="700" dirty="0" smtClean="0">
-                <a:latin typeface="游ゴシック Medium" panose="020B0500000000000000" pitchFamily="50" charset="-128"/>
-                <a:ea typeface="游ゴシック Medium" panose="020B0500000000000000" pitchFamily="50" charset="-128"/>
-              </a:rPr>
-              <a:t>	</a:t>
-            </a:r>
-            <a:r>
-              <a:rPr lang="ja-JP" altLang="en-US" sz="700" dirty="0" smtClean="0">
-                <a:latin typeface="游ゴシック Medium" panose="020B0500000000000000" pitchFamily="50" charset="-128"/>
-                <a:ea typeface="游ゴシック Medium" panose="020B0500000000000000" pitchFamily="50" charset="-128"/>
-              </a:rPr>
-              <a:t>走行体の前後の揺れを軽減し、モータに対し前進するパワーを滑らかに与える。また、尻尾モータを制御し、前進の補助動作を行う。</a:t>
-            </a:r>
-            <a:endParaRPr lang="en-US" altLang="ja-JP" sz="700" dirty="0" smtClean="0">
-              <a:latin typeface="游ゴシック Medium" panose="020B0500000000000000" pitchFamily="50" charset="-128"/>
-              <a:ea typeface="游ゴシック Medium" panose="020B0500000000000000" pitchFamily="50" charset="-128"/>
-            </a:endParaRPr>
-          </a:p>
-          <a:p>
-            <a:r>
-              <a:rPr lang="ja-JP" altLang="en-US" sz="700" dirty="0" smtClean="0">
-                <a:latin typeface="游ゴシック Medium" panose="020B0500000000000000" pitchFamily="50" charset="-128"/>
-                <a:ea typeface="游ゴシック Medium" panose="020B0500000000000000" pitchFamily="50" charset="-128"/>
-              </a:rPr>
-              <a:t>　　　</a:t>
-            </a:r>
-            <a:endParaRPr lang="en-US" altLang="ja-JP" sz="700" dirty="0" smtClean="0">
-              <a:latin typeface="游ゴシック Medium" panose="020B0500000000000000" pitchFamily="50" charset="-128"/>
-              <a:ea typeface="游ゴシック Medium" panose="020B0500000000000000" pitchFamily="50" charset="-128"/>
-            </a:endParaRPr>
-          </a:p>
-        </p:txBody>
-      </p:sp>
       <p:pic>
         <p:nvPicPr>
-          <p:cNvPr id="2" name="図 1"/>
+          <p:cNvPr id="3" name="図 2"/>
           <p:cNvPicPr>
             <a:picLocks noChangeAspect="1"/>
           </p:cNvPicPr>
@@ -11577,8 +11473,8 @@
         </p:blipFill>
         <p:spPr>
           <a:xfrm>
-            <a:off x="3111296" y="118964"/>
-            <a:ext cx="5930219" cy="5009746"/>
+            <a:off x="3093348" y="157682"/>
+            <a:ext cx="5964551" cy="5038748"/>
           </a:xfrm>
           <a:prstGeom prst="rect">
             <a:avLst/>
@@ -11587,14 +11483,14 @@
       </p:pic>
       <p:sp>
         <p:nvSpPr>
-          <p:cNvPr id="30" name="テキスト ボックス 29"/>
+          <p:cNvPr id="33" name="テキスト ボックス 32"/>
           <p:cNvSpPr txBox="1"/>
           <p:nvPr/>
         </p:nvSpPr>
         <p:spPr>
           <a:xfrm>
-            <a:off x="4145132" y="513309"/>
-            <a:ext cx="1988968" cy="184666"/>
+            <a:off x="3171813" y="5294834"/>
+            <a:ext cx="2534938" cy="630942"/>
           </a:xfrm>
           <a:prstGeom prst="rect">
             <a:avLst/>
@@ -11608,50 +11504,66 @@
           <a:lstStyle/>
           <a:p>
             <a:r>
-              <a:rPr lang="ja-JP" altLang="en-US" sz="600" dirty="0" smtClean="0">
-                <a:latin typeface="游ゴシック Medium" panose="020B0500000000000000" pitchFamily="50" charset="-128"/>
-                <a:ea typeface="游ゴシック Medium" panose="020B0500000000000000" pitchFamily="50" charset="-128"/>
-              </a:rPr>
-              <a:t>メインタスクより、</a:t>
-            </a:r>
-            <a:r>
-              <a:rPr lang="en-US" altLang="ja-JP" sz="600" dirty="0" smtClean="0">
-                <a:latin typeface="游ゴシック Medium" panose="020B0500000000000000" pitchFamily="50" charset="-128"/>
-                <a:ea typeface="游ゴシック Medium" panose="020B0500000000000000" pitchFamily="50" charset="-128"/>
-              </a:rPr>
-              <a:t>2</a:t>
-            </a:r>
-            <a:r>
-              <a:rPr lang="ja-JP" altLang="en-US" sz="600" dirty="0" err="1" smtClean="0">
-                <a:latin typeface="游ゴシック Medium" panose="020B0500000000000000" pitchFamily="50" charset="-128"/>
-                <a:ea typeface="游ゴシック Medium" panose="020B0500000000000000" pitchFamily="50" charset="-128"/>
-              </a:rPr>
-              <a:t>つの</a:t>
-            </a:r>
-            <a:r>
-              <a:rPr lang="ja-JP" altLang="en-US" sz="600" dirty="0" smtClean="0">
-                <a:latin typeface="游ゴシック Medium" panose="020B0500000000000000" pitchFamily="50" charset="-128"/>
-                <a:ea typeface="游ゴシック Medium" panose="020B0500000000000000" pitchFamily="50" charset="-128"/>
-              </a:rPr>
-              <a:t>タスクが起動される。</a:t>
-            </a:r>
-            <a:endParaRPr lang="en-US" altLang="ja-JP" sz="600" dirty="0" smtClean="0">
+              <a:rPr lang="ja-JP" altLang="en-US" sz="700" dirty="0" smtClean="0">
+                <a:latin typeface="游ゴシック Medium" panose="020B0500000000000000" pitchFamily="50" charset="-128"/>
+                <a:ea typeface="游ゴシック Medium" panose="020B0500000000000000" pitchFamily="50" charset="-128"/>
+              </a:rPr>
+              <a:t>安定スタート</a:t>
+            </a:r>
+            <a:r>
+              <a:rPr lang="en-US" altLang="ja-JP" sz="700" dirty="0" smtClean="0">
+                <a:latin typeface="游ゴシック Medium" panose="020B0500000000000000" pitchFamily="50" charset="-128"/>
+                <a:ea typeface="游ゴシック Medium" panose="020B0500000000000000" pitchFamily="50" charset="-128"/>
+              </a:rPr>
+              <a:t>:</a:t>
+            </a:r>
+          </a:p>
+          <a:p>
+            <a:pPr marL="358775" indent="-358775"/>
+            <a:r>
+              <a:rPr lang="en-US" altLang="ja-JP" sz="700" dirty="0" smtClean="0">
+                <a:latin typeface="游ゴシック Medium" panose="020B0500000000000000" pitchFamily="50" charset="-128"/>
+                <a:ea typeface="游ゴシック Medium" panose="020B0500000000000000" pitchFamily="50" charset="-128"/>
+              </a:rPr>
+              <a:t>	</a:t>
+            </a:r>
+            <a:r>
+              <a:rPr lang="ja-JP" altLang="en-US" sz="700" dirty="0" smtClean="0">
+                <a:latin typeface="游ゴシック Medium" panose="020B0500000000000000" pitchFamily="50" charset="-128"/>
+                <a:ea typeface="游ゴシック Medium" panose="020B0500000000000000" pitchFamily="50" charset="-128"/>
+              </a:rPr>
+              <a:t>走行体の前後の揺れを軽減し、モータに対し前進するパワーを滑らかに与える。また、尻尾モータを制御し、前進の補助動作を行う。</a:t>
+            </a:r>
+            <a:endParaRPr lang="en-US" altLang="ja-JP" sz="700" dirty="0" smtClean="0">
               <a:latin typeface="游ゴシック Medium" panose="020B0500000000000000" pitchFamily="50" charset="-128"/>
               <a:ea typeface="游ゴシック Medium" panose="020B0500000000000000" pitchFamily="50" charset="-128"/>
             </a:endParaRPr>
           </a:p>
-        </p:txBody>
-      </p:sp>
-      <p:sp>
-        <p:nvSpPr>
-          <p:cNvPr id="35" name="テキスト ボックス 34"/>
+          <a:p>
+            <a:r>
+              <a:rPr lang="ja-JP" altLang="en-US" sz="700" dirty="0" smtClean="0">
+                <a:latin typeface="游ゴシック Medium" panose="020B0500000000000000" pitchFamily="50" charset="-128"/>
+                <a:ea typeface="游ゴシック Medium" panose="020B0500000000000000" pitchFamily="50" charset="-128"/>
+              </a:rPr>
+              <a:t>　　　</a:t>
+            </a:r>
+            <a:endParaRPr lang="en-US" altLang="ja-JP" sz="700" dirty="0" smtClean="0">
+              <a:latin typeface="游ゴシック Medium" panose="020B0500000000000000" pitchFamily="50" charset="-128"/>
+              <a:ea typeface="游ゴシック Medium" panose="020B0500000000000000" pitchFamily="50" charset="-128"/>
+            </a:endParaRPr>
+          </a:p>
+        </p:txBody>
+      </p:sp>
+      <p:sp>
+        <p:nvSpPr>
+          <p:cNvPr id="30" name="テキスト ボックス 29"/>
           <p:cNvSpPr txBox="1"/>
           <p:nvPr/>
         </p:nvSpPr>
         <p:spPr>
           <a:xfrm>
-            <a:off x="3191056" y="1242144"/>
-            <a:ext cx="893457" cy="553998"/>
+            <a:off x="4145132" y="513309"/>
+            <a:ext cx="1988968" cy="184666"/>
           </a:xfrm>
           <a:prstGeom prst="rect">
             <a:avLst/>
@@ -11665,39 +11577,32 @@
           <a:lstStyle/>
           <a:p>
             <a:r>
+              <a:rPr lang="ja-JP" altLang="en-US" sz="600" dirty="0" smtClean="0">
+                <a:latin typeface="游ゴシック Medium" panose="020B0500000000000000" pitchFamily="50" charset="-128"/>
+                <a:ea typeface="游ゴシック Medium" panose="020B0500000000000000" pitchFamily="50" charset="-128"/>
+              </a:rPr>
+              <a:t>メインタスクより、</a:t>
+            </a:r>
+            <a:r>
               <a:rPr lang="en-US" altLang="ja-JP" sz="600" dirty="0" smtClean="0">
                 <a:latin typeface="游ゴシック Medium" panose="020B0500000000000000" pitchFamily="50" charset="-128"/>
                 <a:ea typeface="游ゴシック Medium" panose="020B0500000000000000" pitchFamily="50" charset="-128"/>
               </a:rPr>
-              <a:t>Bluetooth</a:t>
+              <a:t>2</a:t>
+            </a:r>
+            <a:r>
+              <a:rPr lang="ja-JP" altLang="en-US" sz="600" dirty="0" err="1" smtClean="0">
+                <a:latin typeface="游ゴシック Medium" panose="020B0500000000000000" pitchFamily="50" charset="-128"/>
+                <a:ea typeface="游ゴシック Medium" panose="020B0500000000000000" pitchFamily="50" charset="-128"/>
+              </a:rPr>
+              <a:t>つの</a:t>
             </a:r>
             <a:r>
               <a:rPr lang="ja-JP" altLang="en-US" sz="600" dirty="0" smtClean="0">
                 <a:latin typeface="游ゴシック Medium" panose="020B0500000000000000" pitchFamily="50" charset="-128"/>
                 <a:ea typeface="游ゴシック Medium" panose="020B0500000000000000" pitchFamily="50" charset="-128"/>
               </a:rPr>
-              <a:t>通信タスクは、</a:t>
-            </a:r>
-            <a:r>
-              <a:rPr lang="en-US" altLang="ja-JP" sz="600" dirty="0" smtClean="0">
-                <a:latin typeface="游ゴシック Medium" panose="020B0500000000000000" pitchFamily="50" charset="-128"/>
-                <a:ea typeface="游ゴシック Medium" panose="020B0500000000000000" pitchFamily="50" charset="-128"/>
-              </a:rPr>
-              <a:t>Bluetooth</a:t>
-            </a:r>
-            <a:r>
-              <a:rPr lang="ja-JP" altLang="en-US" sz="600" dirty="0" smtClean="0">
-                <a:latin typeface="游ゴシック Medium" panose="020B0500000000000000" pitchFamily="50" charset="-128"/>
-                <a:ea typeface="游ゴシック Medium" panose="020B0500000000000000" pitchFamily="50" charset="-128"/>
-              </a:rPr>
-              <a:t>スタート信号の受信をナビゲータに通知する</a:t>
-            </a:r>
-            <a:r>
-              <a:rPr lang="ja-JP" altLang="en-US" sz="600" dirty="0">
-                <a:latin typeface="游ゴシック Medium" panose="020B0500000000000000" pitchFamily="50" charset="-128"/>
-                <a:ea typeface="游ゴシック Medium" panose="020B0500000000000000" pitchFamily="50" charset="-128"/>
-              </a:rPr>
-              <a:t>。</a:t>
+              <a:t>タスクが起動される。</a:t>
             </a:r>
             <a:endParaRPr lang="en-US" altLang="ja-JP" sz="600" dirty="0" smtClean="0">
               <a:latin typeface="游ゴシック Medium" panose="020B0500000000000000" pitchFamily="50" charset="-128"/>
@@ -11708,14 +11613,14 @@
       </p:sp>
       <p:sp>
         <p:nvSpPr>
-          <p:cNvPr id="34" name="テキスト ボックス 33"/>
+          <p:cNvPr id="35" name="テキスト ボックス 34"/>
           <p:cNvSpPr txBox="1"/>
           <p:nvPr/>
         </p:nvSpPr>
         <p:spPr>
           <a:xfrm>
-            <a:off x="5865334" y="1033747"/>
-            <a:ext cx="2706587" cy="184666"/>
+            <a:off x="3191056" y="1242144"/>
+            <a:ext cx="893457" cy="553998"/>
           </a:xfrm>
           <a:prstGeom prst="rect">
             <a:avLst/>
@@ -11733,14 +11638,35 @@
                 <a:latin typeface="游ゴシック Medium" panose="020B0500000000000000" pitchFamily="50" charset="-128"/>
                 <a:ea typeface="游ゴシック Medium" panose="020B0500000000000000" pitchFamily="50" charset="-128"/>
               </a:rPr>
-              <a:t>4ms</a:t>
+              <a:t>Bluetooth</a:t>
             </a:r>
             <a:r>
               <a:rPr lang="ja-JP" altLang="en-US" sz="600" dirty="0" smtClean="0">
                 <a:latin typeface="游ゴシック Medium" panose="020B0500000000000000" pitchFamily="50" charset="-128"/>
                 <a:ea typeface="游ゴシック Medium" panose="020B0500000000000000" pitchFamily="50" charset="-128"/>
               </a:rPr>
-              <a:t>周期の周期タスクは、レーサータスクを毎回起床する。</a:t>
+              <a:t>通信タスクは、</a:t>
+            </a:r>
+            <a:r>
+              <a:rPr lang="en-US" altLang="ja-JP" sz="600" dirty="0" smtClean="0">
+                <a:latin typeface="游ゴシック Medium" panose="020B0500000000000000" pitchFamily="50" charset="-128"/>
+                <a:ea typeface="游ゴシック Medium" panose="020B0500000000000000" pitchFamily="50" charset="-128"/>
+              </a:rPr>
+              <a:t>Bluetooth</a:t>
+            </a:r>
+            <a:r>
+              <a:rPr lang="ja-JP" altLang="en-US" sz="600" dirty="0" smtClean="0">
+                <a:latin typeface="游ゴシック Medium" panose="020B0500000000000000" pitchFamily="50" charset="-128"/>
+                <a:ea typeface="游ゴシック Medium" panose="020B0500000000000000" pitchFamily="50" charset="-128"/>
+              </a:rPr>
+              <a:t>スタート信号の受信をナビゲータに通知する</a:t>
+            </a:r>
+            <a:r>
+              <a:rPr lang="ja-JP" altLang="en-US" sz="600" dirty="0">
+                <a:latin typeface="游ゴシック Medium" panose="020B0500000000000000" pitchFamily="50" charset="-128"/>
+                <a:ea typeface="游ゴシック Medium" panose="020B0500000000000000" pitchFamily="50" charset="-128"/>
+              </a:rPr>
+              <a:t>。</a:t>
             </a:r>
             <a:endParaRPr lang="en-US" altLang="ja-JP" sz="600" dirty="0" smtClean="0">
               <a:latin typeface="游ゴシック Medium" panose="020B0500000000000000" pitchFamily="50" charset="-128"/>
@@ -11751,14 +11677,14 @@
       </p:sp>
       <p:sp>
         <p:nvSpPr>
-          <p:cNvPr id="32" name="テキスト ボックス 31"/>
+          <p:cNvPr id="34" name="テキスト ボックス 33"/>
           <p:cNvSpPr txBox="1"/>
           <p:nvPr/>
         </p:nvSpPr>
         <p:spPr>
           <a:xfrm>
-            <a:off x="5890331" y="1823972"/>
-            <a:ext cx="1852341" cy="276999"/>
+            <a:off x="5865334" y="1033747"/>
+            <a:ext cx="2706587" cy="184666"/>
           </a:xfrm>
           <a:prstGeom prst="rect">
             <a:avLst/>
@@ -11772,11 +11698,18 @@
           <a:lstStyle/>
           <a:p>
             <a:r>
+              <a:rPr lang="en-US" altLang="ja-JP" sz="600" dirty="0" smtClean="0">
+                <a:latin typeface="游ゴシック Medium" panose="020B0500000000000000" pitchFamily="50" charset="-128"/>
+                <a:ea typeface="游ゴシック Medium" panose="020B0500000000000000" pitchFamily="50" charset="-128"/>
+              </a:rPr>
+              <a:t>4ms</a:t>
+            </a:r>
+            <a:r>
               <a:rPr lang="ja-JP" altLang="en-US" sz="600" dirty="0" smtClean="0">
                 <a:latin typeface="游ゴシック Medium" panose="020B0500000000000000" pitchFamily="50" charset="-128"/>
                 <a:ea typeface="游ゴシック Medium" panose="020B0500000000000000" pitchFamily="50" charset="-128"/>
               </a:rPr>
-              <a:t>ドライバーは、ナビゲータから走行状況を取得し、走行オブジェクトを選択し、走行する。</a:t>
+              <a:t>周期の周期タスクは、レーサータスクを毎回起床する。</a:t>
             </a:r>
             <a:endParaRPr lang="en-US" altLang="ja-JP" sz="600" dirty="0" smtClean="0">
               <a:latin typeface="游ゴシック Medium" panose="020B0500000000000000" pitchFamily="50" charset="-128"/>
@@ -11787,13 +11720,49 @@
       </p:sp>
       <p:sp>
         <p:nvSpPr>
+          <p:cNvPr id="32" name="テキスト ボックス 31"/>
+          <p:cNvSpPr txBox="1"/>
+          <p:nvPr/>
+        </p:nvSpPr>
+        <p:spPr>
+          <a:xfrm>
+            <a:off x="5890331" y="1823972"/>
+            <a:ext cx="1852341" cy="276999"/>
+          </a:xfrm>
+          <a:prstGeom prst="rect">
+            <a:avLst/>
+          </a:prstGeom>
+          <a:noFill/>
+        </p:spPr>
+        <p:txBody>
+          <a:bodyPr wrap="square" rtlCol="0">
+            <a:spAutoFit/>
+          </a:bodyPr>
+          <a:lstStyle/>
+          <a:p>
+            <a:r>
+              <a:rPr lang="ja-JP" altLang="en-US" sz="600" dirty="0" smtClean="0">
+                <a:latin typeface="游ゴシック Medium" panose="020B0500000000000000" pitchFamily="50" charset="-128"/>
+                <a:ea typeface="游ゴシック Medium" panose="020B0500000000000000" pitchFamily="50" charset="-128"/>
+              </a:rPr>
+              <a:t>ドライバーは、ナビゲータから走行状況を取得し、走行オブジェクトを選択し、走行する。</a:t>
+            </a:r>
+            <a:endParaRPr lang="en-US" altLang="ja-JP" sz="600" dirty="0" smtClean="0">
+              <a:latin typeface="游ゴシック Medium" panose="020B0500000000000000" pitchFamily="50" charset="-128"/>
+              <a:ea typeface="游ゴシック Medium" panose="020B0500000000000000" pitchFamily="50" charset="-128"/>
+            </a:endParaRPr>
+          </a:p>
+        </p:txBody>
+      </p:sp>
+      <p:sp>
+        <p:nvSpPr>
           <p:cNvPr id="10" name="線吹き出し 2 (枠付き) 9"/>
           <p:cNvSpPr/>
           <p:nvPr/>
         </p:nvSpPr>
         <p:spPr>
           <a:xfrm>
-            <a:off x="3359462" y="4041828"/>
+            <a:off x="3405328" y="4098104"/>
             <a:ext cx="3641121" cy="433899"/>
           </a:xfrm>
           <a:prstGeom prst="borderCallout2">
@@ -12361,8 +12330,8 @@
         </p:nvSpPr>
         <p:spPr>
           <a:xfrm>
-            <a:off x="38454" y="1205105"/>
-            <a:ext cx="2938763" cy="3595496"/>
+            <a:off x="38454" y="1449316"/>
+            <a:ext cx="2938763" cy="3351284"/>
           </a:xfrm>
           <a:prstGeom prst="rect">
             <a:avLst/>
@@ -12557,7 +12526,7 @@
         </p:nvSpPr>
         <p:spPr>
           <a:xfrm>
-            <a:off x="112510" y="1265614"/>
+            <a:off x="112596" y="1508699"/>
             <a:ext cx="2797783" cy="241751"/>
           </a:xfrm>
           <a:prstGeom prst="roundRect">
@@ -12615,7 +12584,7 @@
         </p:nvSpPr>
         <p:spPr>
           <a:xfrm>
-            <a:off x="91812" y="2363888"/>
+            <a:off x="103864" y="2585210"/>
             <a:ext cx="2797783" cy="241751"/>
           </a:xfrm>
           <a:prstGeom prst="roundRect">
@@ -12697,7 +12666,7 @@
         </p:nvSpPr>
         <p:spPr>
           <a:xfrm>
-            <a:off x="46106" y="1529799"/>
+            <a:off x="109222" y="1769179"/>
             <a:ext cx="2819015" cy="738664"/>
           </a:xfrm>
           <a:prstGeom prst="rect">
@@ -17519,7 +17488,7 @@
         </p:nvSpPr>
         <p:spPr>
           <a:xfrm>
-            <a:off x="66038" y="2680016"/>
+            <a:off x="103863" y="2826961"/>
             <a:ext cx="2819015" cy="1938992"/>
           </a:xfrm>
           <a:prstGeom prst="rect">
@@ -17534,11 +17503,38 @@
           <a:lstStyle/>
           <a:p>
             <a:r>
+              <a:rPr lang="ja-JP" altLang="en-US" sz="800" dirty="0" smtClean="0">
+                <a:latin typeface="游ゴシック" panose="020B0400000000000000" pitchFamily="50" charset="-128"/>
+                <a:ea typeface="游ゴシック" panose="020B0400000000000000" pitchFamily="50" charset="-128"/>
+              </a:rPr>
+              <a:t>１．キャリブレーション</a:t>
+            </a:r>
+            <a:endParaRPr lang="en-US" altLang="ja-JP" sz="800" dirty="0" smtClean="0">
+              <a:latin typeface="游ゴシック" panose="020B0400000000000000" pitchFamily="50" charset="-128"/>
+              <a:ea typeface="游ゴシック" panose="020B0400000000000000" pitchFamily="50" charset="-128"/>
+            </a:endParaRPr>
+          </a:p>
+          <a:p>
+            <a:r>
               <a:rPr lang="ja-JP" altLang="en-US" sz="600" dirty="0" smtClean="0">
                 <a:latin typeface="游ゴシック" panose="020B0400000000000000" pitchFamily="50" charset="-128"/>
                 <a:ea typeface="游ゴシック" panose="020B0400000000000000" pitchFamily="50" charset="-128"/>
               </a:rPr>
-              <a:t>１．キャリブレーション</a:t>
+              <a:t>　スタート前にキャリブレーションを行い、白地および黒ラインの輝度を測定する。これをもとに、</a:t>
+            </a:r>
+            <a:r>
+              <a:rPr lang="ja-JP" altLang="en-US" sz="600" dirty="0">
+                <a:latin typeface="游ゴシック" panose="020B0400000000000000" pitchFamily="50" charset="-128"/>
+                <a:ea typeface="游ゴシック" panose="020B0400000000000000" pitchFamily="50" charset="-128"/>
+              </a:rPr>
+              <a:t>ライントレースするためのラインのエッジを検出するため</a:t>
+            </a:r>
+            <a:r>
+              <a:rPr lang="ja-JP" altLang="en-US" sz="600" dirty="0" smtClean="0">
+                <a:latin typeface="游ゴシック" panose="020B0400000000000000" pitchFamily="50" charset="-128"/>
+                <a:ea typeface="游ゴシック" panose="020B0400000000000000" pitchFamily="50" charset="-128"/>
+              </a:rPr>
+              <a:t>の「しきい値を」を計算式によって求める。</a:t>
             </a:r>
             <a:endParaRPr lang="en-US" altLang="ja-JP" sz="600" dirty="0" smtClean="0">
               <a:latin typeface="游ゴシック" panose="020B0400000000000000" pitchFamily="50" charset="-128"/>
@@ -17546,26 +17542,93 @@
             </a:endParaRPr>
           </a:p>
           <a:p>
+            <a:endParaRPr lang="en-US" altLang="ja-JP" sz="600" dirty="0">
+              <a:latin typeface="游ゴシック" panose="020B0400000000000000" pitchFamily="50" charset="-128"/>
+              <a:ea typeface="游ゴシック" panose="020B0400000000000000" pitchFamily="50" charset="-128"/>
+            </a:endParaRPr>
+          </a:p>
+          <a:p>
+            <a:r>
+              <a:rPr lang="ja-JP" altLang="en-US" sz="800" dirty="0" smtClean="0">
+                <a:latin typeface="游ゴシック" panose="020B0400000000000000" pitchFamily="50" charset="-128"/>
+                <a:ea typeface="游ゴシック" panose="020B0400000000000000" pitchFamily="50" charset="-128"/>
+              </a:rPr>
+              <a:t>２．ナビゲーション</a:t>
+            </a:r>
+            <a:endParaRPr lang="en-US" altLang="ja-JP" sz="800" dirty="0" smtClean="0">
+              <a:latin typeface="游ゴシック" panose="020B0400000000000000" pitchFamily="50" charset="-128"/>
+              <a:ea typeface="游ゴシック" panose="020B0400000000000000" pitchFamily="50" charset="-128"/>
+            </a:endParaRPr>
+          </a:p>
+          <a:p>
+            <a:r>
+              <a:rPr lang="ja-JP" altLang="en-US" sz="600" dirty="0">
+                <a:latin typeface="游ゴシック" panose="020B0400000000000000" pitchFamily="50" charset="-128"/>
+                <a:ea typeface="游ゴシック" panose="020B0400000000000000" pitchFamily="50" charset="-128"/>
+              </a:rPr>
+              <a:t>　</a:t>
+            </a:r>
             <a:r>
               <a:rPr lang="ja-JP" altLang="en-US" sz="600" dirty="0" smtClean="0">
                 <a:latin typeface="游ゴシック" panose="020B0400000000000000" pitchFamily="50" charset="-128"/>
                 <a:ea typeface="游ゴシック" panose="020B0400000000000000" pitchFamily="50" charset="-128"/>
               </a:rPr>
-              <a:t>　スタート前にキャリブレーションを行い、白地および黒ラインの輝度を測定する。これをもとに、</a:t>
-            </a:r>
+              <a:t>ドライバに対して、ナビゲータは走行状況を管理・提供する。その情報をもとにドライバは走行クラスを選択し、走行を指示する。</a:t>
+            </a:r>
+            <a:endParaRPr lang="en-US" altLang="ja-JP" sz="600" dirty="0" smtClean="0">
+              <a:latin typeface="游ゴシック" panose="020B0400000000000000" pitchFamily="50" charset="-128"/>
+              <a:ea typeface="游ゴシック" panose="020B0400000000000000" pitchFamily="50" charset="-128"/>
+            </a:endParaRPr>
+          </a:p>
+          <a:p>
             <a:r>
               <a:rPr lang="ja-JP" altLang="en-US" sz="600" dirty="0">
                 <a:latin typeface="游ゴシック" panose="020B0400000000000000" pitchFamily="50" charset="-128"/>
                 <a:ea typeface="游ゴシック" panose="020B0400000000000000" pitchFamily="50" charset="-128"/>
               </a:rPr>
-              <a:t>ライントレースするためのラインのエッジを検出するため</a:t>
+              <a:t>　</a:t>
             </a:r>
             <a:r>
               <a:rPr lang="ja-JP" altLang="en-US" sz="600" dirty="0" smtClean="0">
                 <a:latin typeface="游ゴシック" panose="020B0400000000000000" pitchFamily="50" charset="-128"/>
                 <a:ea typeface="游ゴシック" panose="020B0400000000000000" pitchFamily="50" charset="-128"/>
               </a:rPr>
-              <a:t>の「しきい値を」を計算式によって求める。</a:t>
+              <a:t>走行とともに、走行</a:t>
+            </a:r>
+            <a:r>
+              <a:rPr lang="en-US" altLang="ja-JP" sz="600" dirty="0" smtClean="0">
+                <a:latin typeface="游ゴシック" panose="020B0400000000000000" pitchFamily="50" charset="-128"/>
+                <a:ea typeface="游ゴシック" panose="020B0400000000000000" pitchFamily="50" charset="-128"/>
+              </a:rPr>
+              <a:t>(</a:t>
+            </a:r>
+            <a:r>
+              <a:rPr lang="ja-JP" altLang="en-US" sz="600" dirty="0" smtClean="0">
+                <a:latin typeface="游ゴシック" panose="020B0400000000000000" pitchFamily="50" charset="-128"/>
+                <a:ea typeface="游ゴシック" panose="020B0400000000000000" pitchFamily="50" charset="-128"/>
+              </a:rPr>
+              <a:t>モータの回転角度</a:t>
+            </a:r>
+            <a:r>
+              <a:rPr lang="en-US" altLang="ja-JP" sz="600" dirty="0" smtClean="0">
+                <a:latin typeface="游ゴシック" panose="020B0400000000000000" pitchFamily="50" charset="-128"/>
+                <a:ea typeface="游ゴシック" panose="020B0400000000000000" pitchFamily="50" charset="-128"/>
+              </a:rPr>
+              <a:t>)</a:t>
+            </a:r>
+            <a:r>
+              <a:rPr lang="ja-JP" altLang="en-US" sz="600" dirty="0" err="1" smtClean="0">
+                <a:latin typeface="游ゴシック" panose="020B0400000000000000" pitchFamily="50" charset="-128"/>
+                <a:ea typeface="游ゴシック" panose="020B0400000000000000" pitchFamily="50" charset="-128"/>
+              </a:rPr>
+              <a:t>、</a:t>
+            </a:r>
+            <a:r>
+              <a:rPr lang="ja-JP" altLang="en-US" sz="600" dirty="0" smtClean="0">
+                <a:latin typeface="游ゴシック" panose="020B0400000000000000" pitchFamily="50" charset="-128"/>
+                <a:ea typeface="游ゴシック" panose="020B0400000000000000" pitchFamily="50" charset="-128"/>
+              </a:rPr>
+              <a:t>ジャイロセンサー値を記録する。</a:t>
             </a:r>
             <a:endParaRPr lang="en-US" altLang="ja-JP" sz="600" dirty="0" smtClean="0">
               <a:latin typeface="游ゴシック" panose="020B0400000000000000" pitchFamily="50" charset="-128"/>
@@ -17573,6 +17636,49 @@
             </a:endParaRPr>
           </a:p>
           <a:p>
+            <a:r>
+              <a:rPr lang="ja-JP" altLang="en-US" sz="600" dirty="0">
+                <a:latin typeface="游ゴシック" panose="020B0400000000000000" pitchFamily="50" charset="-128"/>
+                <a:ea typeface="游ゴシック" panose="020B0400000000000000" pitchFamily="50" charset="-128"/>
+              </a:rPr>
+              <a:t>　</a:t>
+            </a:r>
+            <a:r>
+              <a:rPr lang="en-US" altLang="ja-JP" sz="600" dirty="0" smtClean="0">
+                <a:latin typeface="游ゴシック" panose="020B0400000000000000" pitchFamily="50" charset="-128"/>
+                <a:ea typeface="游ゴシック" panose="020B0400000000000000" pitchFamily="50" charset="-128"/>
+              </a:rPr>
+              <a:t>(</a:t>
+            </a:r>
+            <a:r>
+              <a:rPr lang="ja-JP" altLang="en-US" sz="600" dirty="0" smtClean="0">
+                <a:latin typeface="游ゴシック" panose="020B0400000000000000" pitchFamily="50" charset="-128"/>
+                <a:ea typeface="游ゴシック" panose="020B0400000000000000" pitchFamily="50" charset="-128"/>
+              </a:rPr>
+              <a:t>ライントレースの場合は光センサーの輝度も記録する。</a:t>
+            </a:r>
+            <a:r>
+              <a:rPr lang="en-US" altLang="ja-JP" sz="600" dirty="0" smtClean="0">
+                <a:latin typeface="游ゴシック" panose="020B0400000000000000" pitchFamily="50" charset="-128"/>
+                <a:ea typeface="游ゴシック" panose="020B0400000000000000" pitchFamily="50" charset="-128"/>
+              </a:rPr>
+              <a:t>)</a:t>
+            </a:r>
+          </a:p>
+          <a:p>
+            <a:r>
+              <a:rPr lang="ja-JP" altLang="en-US" sz="600" dirty="0" smtClean="0">
+                <a:latin typeface="游ゴシック" panose="020B0400000000000000" pitchFamily="50" charset="-128"/>
+                <a:ea typeface="游ゴシック" panose="020B0400000000000000" pitchFamily="50" charset="-128"/>
+              </a:rPr>
+              <a:t>これらのモニタ情報は集積され、一定期間の最小・最大・平均など統計情報を提供する準備を整える。</a:t>
+            </a:r>
+            <a:endParaRPr lang="en-US" altLang="ja-JP" sz="600" dirty="0" smtClean="0">
+              <a:latin typeface="游ゴシック" panose="020B0400000000000000" pitchFamily="50" charset="-128"/>
+              <a:ea typeface="游ゴシック" panose="020B0400000000000000" pitchFamily="50" charset="-128"/>
+            </a:endParaRPr>
+          </a:p>
+          <a:p>
             <a:endParaRPr lang="en-US" altLang="ja-JP" sz="600" dirty="0">
               <a:latin typeface="游ゴシック" panose="020B0400000000000000" pitchFamily="50" charset="-128"/>
               <a:ea typeface="游ゴシック" panose="020B0400000000000000" pitchFamily="50" charset="-128"/>
@@ -17580,216 +17686,73 @@
           </a:p>
           <a:p>
             <a:r>
+              <a:rPr lang="ja-JP" altLang="en-US" sz="800" dirty="0" smtClean="0">
+                <a:latin typeface="游ゴシック" panose="020B0400000000000000" pitchFamily="50" charset="-128"/>
+                <a:ea typeface="游ゴシック" panose="020B0400000000000000" pitchFamily="50" charset="-128"/>
+              </a:rPr>
+              <a:t>３．ライントレース</a:t>
+            </a:r>
+            <a:endParaRPr lang="en-US" altLang="ja-JP" sz="800" dirty="0" smtClean="0">
+              <a:latin typeface="游ゴシック" panose="020B0400000000000000" pitchFamily="50" charset="-128"/>
+              <a:ea typeface="游ゴシック" panose="020B0400000000000000" pitchFamily="50" charset="-128"/>
+            </a:endParaRPr>
+          </a:p>
+          <a:p>
+            <a:r>
+              <a:rPr lang="ja-JP" altLang="en-US" sz="600" dirty="0">
+                <a:latin typeface="游ゴシック" panose="020B0400000000000000" pitchFamily="50" charset="-128"/>
+                <a:ea typeface="游ゴシック" panose="020B0400000000000000" pitchFamily="50" charset="-128"/>
+              </a:rPr>
+              <a:t>　</a:t>
+            </a:r>
+            <a:r>
               <a:rPr lang="ja-JP" altLang="en-US" sz="600" dirty="0" smtClean="0">
                 <a:latin typeface="游ゴシック" panose="020B0400000000000000" pitchFamily="50" charset="-128"/>
                 <a:ea typeface="游ゴシック" panose="020B0400000000000000" pitchFamily="50" charset="-128"/>
               </a:rPr>
-              <a:t>２．ナビゲーション</a:t>
-            </a:r>
-            <a:endParaRPr lang="en-US" altLang="ja-JP" sz="600" dirty="0" smtClean="0">
+              <a:t>現在、直線に近い走行か、または、カーブに沿った走行なのかによって、走行スピードを決定する。</a:t>
+            </a:r>
+            <a:endParaRPr lang="en-US" altLang="ja-JP" sz="600" dirty="0">
               <a:latin typeface="游ゴシック" panose="020B0400000000000000" pitchFamily="50" charset="-128"/>
               <a:ea typeface="游ゴシック" panose="020B0400000000000000" pitchFamily="50" charset="-128"/>
             </a:endParaRPr>
           </a:p>
           <a:p>
-            <a:r>
-              <a:rPr lang="ja-JP" altLang="en-US" sz="600" dirty="0">
-                <a:latin typeface="游ゴシック" panose="020B0400000000000000" pitchFamily="50" charset="-128"/>
-                <a:ea typeface="游ゴシック" panose="020B0400000000000000" pitchFamily="50" charset="-128"/>
-              </a:rPr>
-              <a:t>　</a:t>
-            </a:r>
             <a:r>
               <a:rPr lang="ja-JP" altLang="en-US" sz="600" dirty="0" smtClean="0">
                 <a:latin typeface="游ゴシック" panose="020B0400000000000000" pitchFamily="50" charset="-128"/>
                 <a:ea typeface="游ゴシック" panose="020B0400000000000000" pitchFamily="50" charset="-128"/>
               </a:rPr>
-              <a:t>ドライバに対して、ナビゲータは走行状況を管理・提供する。その情報をもとにドライバは走行クラスを選択し、走行を指示する。</a:t>
-            </a:r>
-            <a:endParaRPr lang="en-US" altLang="ja-JP" sz="600" dirty="0" smtClean="0">
-              <a:latin typeface="游ゴシック" panose="020B0400000000000000" pitchFamily="50" charset="-128"/>
-              <a:ea typeface="游ゴシック" panose="020B0400000000000000" pitchFamily="50" charset="-128"/>
-            </a:endParaRPr>
-          </a:p>
-          <a:p>
-            <a:r>
-              <a:rPr lang="ja-JP" altLang="en-US" sz="600" dirty="0">
+              <a:t>　ナビゲータ経由で取得した輝度情報をもとに、走行体の左右の向きを決定する。その角度は</a:t>
+            </a:r>
+            <a:r>
+              <a:rPr lang="en-US" altLang="ja-JP" sz="600" dirty="0" smtClean="0">
                 <a:latin typeface="游ゴシック" panose="020B0400000000000000" pitchFamily="50" charset="-128"/>
                 <a:ea typeface="游ゴシック" panose="020B0400000000000000" pitchFamily="50" charset="-128"/>
               </a:rPr>
-              <a:t>　</a:t>
+              <a:t>PID</a:t>
             </a:r>
             <a:r>
               <a:rPr lang="ja-JP" altLang="en-US" sz="600" dirty="0" smtClean="0">
                 <a:latin typeface="游ゴシック" panose="020B0400000000000000" pitchFamily="50" charset="-128"/>
                 <a:ea typeface="游ゴシック" panose="020B0400000000000000" pitchFamily="50" charset="-128"/>
               </a:rPr>
-              <a:t>走行とともに、走行</a:t>
+              <a:t>制御によって動的に決定する。また、その</a:t>
             </a:r>
             <a:r>
               <a:rPr lang="en-US" altLang="ja-JP" sz="600" dirty="0" smtClean="0">
                 <a:latin typeface="游ゴシック" panose="020B0400000000000000" pitchFamily="50" charset="-128"/>
                 <a:ea typeface="游ゴシック" panose="020B0400000000000000" pitchFamily="50" charset="-128"/>
               </a:rPr>
-              <a:t>(</a:t>
+              <a:t>PID</a:t>
             </a:r>
             <a:r>
               <a:rPr lang="ja-JP" altLang="en-US" sz="600" dirty="0" smtClean="0">
                 <a:latin typeface="游ゴシック" panose="020B0400000000000000" pitchFamily="50" charset="-128"/>
                 <a:ea typeface="游ゴシック" panose="020B0400000000000000" pitchFamily="50" charset="-128"/>
               </a:rPr>
-              <a:t>モータの回転角度</a:t>
-            </a:r>
-            <a:r>
-              <a:rPr lang="en-US" altLang="ja-JP" sz="600" dirty="0" smtClean="0">
-                <a:latin typeface="游ゴシック" panose="020B0400000000000000" pitchFamily="50" charset="-128"/>
-                <a:ea typeface="游ゴシック" panose="020B0400000000000000" pitchFamily="50" charset="-128"/>
-              </a:rPr>
-              <a:t>)</a:t>
-            </a:r>
-            <a:r>
-              <a:rPr lang="ja-JP" altLang="en-US" sz="600" dirty="0" err="1" smtClean="0">
-                <a:latin typeface="游ゴシック" panose="020B0400000000000000" pitchFamily="50" charset="-128"/>
-                <a:ea typeface="游ゴシック" panose="020B0400000000000000" pitchFamily="50" charset="-128"/>
-              </a:rPr>
-              <a:t>、</a:t>
-            </a:r>
-            <a:r>
-              <a:rPr lang="ja-JP" altLang="en-US" sz="600" dirty="0" smtClean="0">
-                <a:latin typeface="游ゴシック" panose="020B0400000000000000" pitchFamily="50" charset="-128"/>
-                <a:ea typeface="游ゴシック" panose="020B0400000000000000" pitchFamily="50" charset="-128"/>
-              </a:rPr>
-              <a:t>ジャイロセンサー値を記録する。</a:t>
-            </a:r>
-            <a:endParaRPr lang="en-US" altLang="ja-JP" sz="600" dirty="0" smtClean="0">
-              <a:latin typeface="游ゴシック" panose="020B0400000000000000" pitchFamily="50" charset="-128"/>
-              <a:ea typeface="游ゴシック" panose="020B0400000000000000" pitchFamily="50" charset="-128"/>
-            </a:endParaRPr>
-          </a:p>
-          <a:p>
-            <a:r>
-              <a:rPr lang="ja-JP" altLang="en-US" sz="600" dirty="0">
-                <a:latin typeface="游ゴシック" panose="020B0400000000000000" pitchFamily="50" charset="-128"/>
-                <a:ea typeface="游ゴシック" panose="020B0400000000000000" pitchFamily="50" charset="-128"/>
-              </a:rPr>
-              <a:t>　</a:t>
-            </a:r>
-            <a:r>
-              <a:rPr lang="en-US" altLang="ja-JP" sz="600" dirty="0" smtClean="0">
-                <a:latin typeface="游ゴシック" panose="020B0400000000000000" pitchFamily="50" charset="-128"/>
-                <a:ea typeface="游ゴシック" panose="020B0400000000000000" pitchFamily="50" charset="-128"/>
-              </a:rPr>
-              <a:t>(</a:t>
-            </a:r>
-            <a:r>
-              <a:rPr lang="ja-JP" altLang="en-US" sz="600" dirty="0" smtClean="0">
-                <a:latin typeface="游ゴシック" panose="020B0400000000000000" pitchFamily="50" charset="-128"/>
-                <a:ea typeface="游ゴシック" panose="020B0400000000000000" pitchFamily="50" charset="-128"/>
-              </a:rPr>
-              <a:t>ライントレースの場合は光センサーの輝度も記録する。</a:t>
-            </a:r>
-            <a:r>
-              <a:rPr lang="en-US" altLang="ja-JP" sz="600" dirty="0" smtClean="0">
-                <a:latin typeface="游ゴシック" panose="020B0400000000000000" pitchFamily="50" charset="-128"/>
-                <a:ea typeface="游ゴシック" panose="020B0400000000000000" pitchFamily="50" charset="-128"/>
-              </a:rPr>
-              <a:t>)</a:t>
-            </a:r>
-          </a:p>
-          <a:p>
-            <a:r>
-              <a:rPr lang="ja-JP" altLang="en-US" sz="600" dirty="0" smtClean="0">
-                <a:latin typeface="游ゴシック" panose="020B0400000000000000" pitchFamily="50" charset="-128"/>
-                <a:ea typeface="游ゴシック" panose="020B0400000000000000" pitchFamily="50" charset="-128"/>
-              </a:rPr>
-              <a:t>これらのモニタ情報は集積され、一定期間の最小・最大・平均など統計情報を提供する準備を整える。</a:t>
-            </a:r>
-            <a:endParaRPr lang="en-US" altLang="ja-JP" sz="600" dirty="0" smtClean="0">
-              <a:latin typeface="游ゴシック" panose="020B0400000000000000" pitchFamily="50" charset="-128"/>
-              <a:ea typeface="游ゴシック" panose="020B0400000000000000" pitchFamily="50" charset="-128"/>
-            </a:endParaRPr>
-          </a:p>
-          <a:p>
-            <a:endParaRPr lang="en-US" altLang="ja-JP" sz="600" dirty="0">
-              <a:latin typeface="游ゴシック" panose="020B0400000000000000" pitchFamily="50" charset="-128"/>
-              <a:ea typeface="游ゴシック" panose="020B0400000000000000" pitchFamily="50" charset="-128"/>
-            </a:endParaRPr>
-          </a:p>
-          <a:p>
-            <a:r>
-              <a:rPr lang="ja-JP" altLang="en-US" sz="600" dirty="0" smtClean="0">
-                <a:latin typeface="游ゴシック" panose="020B0400000000000000" pitchFamily="50" charset="-128"/>
-                <a:ea typeface="游ゴシック" panose="020B0400000000000000" pitchFamily="50" charset="-128"/>
-              </a:rPr>
-              <a:t>３．ライントレース</a:t>
-            </a:r>
-            <a:endParaRPr lang="en-US" altLang="ja-JP" sz="600" dirty="0" smtClean="0">
-              <a:latin typeface="游ゴシック" panose="020B0400000000000000" pitchFamily="50" charset="-128"/>
-              <a:ea typeface="游ゴシック" panose="020B0400000000000000" pitchFamily="50" charset="-128"/>
-            </a:endParaRPr>
-          </a:p>
-          <a:p>
-            <a:r>
-              <a:rPr lang="ja-JP" altLang="en-US" sz="600" dirty="0">
-                <a:latin typeface="游ゴシック" panose="020B0400000000000000" pitchFamily="50" charset="-128"/>
-                <a:ea typeface="游ゴシック" panose="020B0400000000000000" pitchFamily="50" charset="-128"/>
-              </a:rPr>
-              <a:t>　</a:t>
-            </a:r>
-            <a:r>
-              <a:rPr lang="ja-JP" altLang="en-US" sz="600" dirty="0" smtClean="0">
-                <a:latin typeface="游ゴシック" panose="020B0400000000000000" pitchFamily="50" charset="-128"/>
-                <a:ea typeface="游ゴシック" panose="020B0400000000000000" pitchFamily="50" charset="-128"/>
-              </a:rPr>
-              <a:t>現在、直線に近い走行か、または、カーブに沿った走行なのかによって、走行スピードを決定する。</a:t>
-            </a:r>
-            <a:endParaRPr lang="en-US" altLang="ja-JP" sz="600" dirty="0">
-              <a:latin typeface="游ゴシック" panose="020B0400000000000000" pitchFamily="50" charset="-128"/>
-              <a:ea typeface="游ゴシック" panose="020B0400000000000000" pitchFamily="50" charset="-128"/>
-            </a:endParaRPr>
-          </a:p>
-          <a:p>
-            <a:r>
-              <a:rPr lang="ja-JP" altLang="en-US" sz="600" dirty="0" smtClean="0">
-                <a:latin typeface="游ゴシック" panose="020B0400000000000000" pitchFamily="50" charset="-128"/>
-                <a:ea typeface="游ゴシック" panose="020B0400000000000000" pitchFamily="50" charset="-128"/>
-              </a:rPr>
-              <a:t>　ナビゲータ経由で取得した輝度情報をもとに、走行体の左右の向きを決定する。その角度は</a:t>
-            </a:r>
-            <a:r>
-              <a:rPr lang="en-US" altLang="ja-JP" sz="600" dirty="0" smtClean="0">
-                <a:latin typeface="游ゴシック" panose="020B0400000000000000" pitchFamily="50" charset="-128"/>
-                <a:ea typeface="游ゴシック" panose="020B0400000000000000" pitchFamily="50" charset="-128"/>
-              </a:rPr>
-              <a:t>PID</a:t>
-            </a:r>
-            <a:r>
-              <a:rPr lang="ja-JP" altLang="en-US" sz="600" dirty="0" smtClean="0">
-                <a:latin typeface="游ゴシック" panose="020B0400000000000000" pitchFamily="50" charset="-128"/>
-                <a:ea typeface="游ゴシック" panose="020B0400000000000000" pitchFamily="50" charset="-128"/>
-              </a:rPr>
-              <a:t>制御によって動的に決定する。また、その</a:t>
-            </a:r>
-            <a:r>
-              <a:rPr lang="en-US" altLang="ja-JP" sz="600" dirty="0" smtClean="0">
-                <a:latin typeface="游ゴシック" panose="020B0400000000000000" pitchFamily="50" charset="-128"/>
-                <a:ea typeface="游ゴシック" panose="020B0400000000000000" pitchFamily="50" charset="-128"/>
-              </a:rPr>
-              <a:t>PID</a:t>
-            </a:r>
-            <a:r>
-              <a:rPr lang="ja-JP" altLang="en-US" sz="600" dirty="0" smtClean="0">
-                <a:latin typeface="游ゴシック" panose="020B0400000000000000" pitchFamily="50" charset="-128"/>
-                <a:ea typeface="游ゴシック" panose="020B0400000000000000" pitchFamily="50" charset="-128"/>
-              </a:rPr>
               <a:t>制御のゲインは、走行スピードによって変更される。</a:t>
             </a:r>
-            <a:endParaRPr lang="en-US" altLang="ja-JP" sz="600" dirty="0" smtClean="0">
-              <a:latin typeface="游ゴシック" panose="020B0400000000000000" pitchFamily="50" charset="-128"/>
-              <a:ea typeface="游ゴシック" panose="020B0400000000000000" pitchFamily="50" charset="-128"/>
-            </a:endParaRPr>
-          </a:p>
-          <a:p>
             <a:endParaRPr lang="en-US" altLang="ja-JP" sz="600" dirty="0" smtClean="0">
               <a:latin typeface="游ゴシック" panose="020B0400000000000000" pitchFamily="50" charset="-128"/>
               <a:ea typeface="游ゴシック" panose="020B0400000000000000" pitchFamily="50" charset="-128"/>
@@ -18326,9 +18289,7 @@
             <a:avLst/>
           </a:prstGeom>
           <a:solidFill>
-            <a:srgbClr val="FFFFFF">
-              <a:alpha val="80000"/>
-            </a:srgbClr>
+            <a:schemeClr val="bg1"/>
           </a:solidFill>
           <a:ln w="38100">
             <a:solidFill>
@@ -20158,27 +20119,7 @@
                 <a:latin typeface="游ゴシック Medium" panose="020B0500000000000000" pitchFamily="50" charset="-128"/>
                 <a:ea typeface="游ゴシック Medium" panose="020B0500000000000000" pitchFamily="50" charset="-128"/>
               </a:rPr>
-              <a:t>ジャイロセンサーの値の変化が滑らかになった</a:t>
-            </a:r>
-            <a:r>
-              <a:rPr lang="ja-JP" altLang="en-US" sz="800" dirty="0" smtClean="0">
-                <a:solidFill>
-                  <a:srgbClr val="FF0000"/>
-                </a:solidFill>
-                <a:latin typeface="游ゴシック Medium" panose="020B0500000000000000" pitchFamily="50" charset="-128"/>
-                <a:ea typeface="游ゴシック Medium" panose="020B0500000000000000" pitchFamily="50" charset="-128"/>
-              </a:rPr>
-              <a:t>。　　　→ 　　走行体</a:t>
-            </a:r>
-            <a:r>
-              <a:rPr lang="ja-JP" altLang="en-US" sz="800" dirty="0" smtClean="0">
-                <a:solidFill>
-                  <a:srgbClr val="FF0000"/>
-                </a:solidFill>
-                <a:latin typeface="游ゴシック Medium" panose="020B0500000000000000" pitchFamily="50" charset="-128"/>
-                <a:ea typeface="游ゴシック Medium" panose="020B0500000000000000" pitchFamily="50" charset="-128"/>
-              </a:rPr>
-              <a:t>の前後の揺れが減少した。</a:t>
+              <a:t>ジャイロセンサーの値の変化が滑らかになった。　　　→ 　　走行体の前後の揺れが減少した。</a:t>
             </a:r>
             <a:endParaRPr lang="en-US" altLang="ja-JP" sz="800" dirty="0" smtClean="0">
               <a:solidFill>
@@ -20286,7 +20227,7 @@
                 <a:latin typeface="游ゴシック Medium" panose="020B0500000000000000" pitchFamily="50" charset="-128"/>
                 <a:ea typeface="游ゴシック Medium" panose="020B0500000000000000" pitchFamily="50" charset="-128"/>
               </a:rPr>
-              <a:t>S</a:t>
+              <a:t>T</a:t>
             </a:r>
             <a:r>
               <a:rPr lang="ja-JP" altLang="en-US" sz="600" dirty="0" smtClean="0">
@@ -20679,7 +20620,7 @@
         </p:nvSpPr>
         <p:spPr>
           <a:xfrm>
-            <a:off x="112509" y="3283265"/>
+            <a:off x="135407" y="3281878"/>
             <a:ext cx="2763133" cy="1384995"/>
           </a:xfrm>
           <a:prstGeom prst="rect">
@@ -20733,11 +20674,11 @@
               <a:t>設計時に算出した </a:t>
             </a:r>
             <a:r>
-              <a:rPr lang="en-US" altLang="ja-JP" sz="700" dirty="0" smtClean="0">
-                <a:latin typeface="游ゴシック Medium" panose="020B0500000000000000" pitchFamily="50" charset="-128"/>
-                <a:ea typeface="游ゴシック Medium" panose="020B0500000000000000" pitchFamily="50" charset="-128"/>
-              </a:rPr>
-              <a:t>S</a:t>
+              <a:rPr lang="en-US" altLang="ja-JP" sz="700" dirty="0">
+                <a:latin typeface="游ゴシック Medium" panose="020B0500000000000000" pitchFamily="50" charset="-128"/>
+                <a:ea typeface="游ゴシック Medium" panose="020B0500000000000000" pitchFamily="50" charset="-128"/>
+              </a:rPr>
+              <a:t>T</a:t>
             </a:r>
             <a:r>
               <a:rPr lang="ja-JP" altLang="en-US" sz="700" dirty="0" smtClean="0">
@@ -20794,11 +20735,11 @@
               <a:t>そのため、</a:t>
             </a:r>
             <a:r>
-              <a:rPr lang="en-US" altLang="ja-JP" sz="700" dirty="0" smtClean="0">
-                <a:latin typeface="游ゴシック Medium" panose="020B0500000000000000" pitchFamily="50" charset="-128"/>
-                <a:ea typeface="游ゴシック Medium" panose="020B0500000000000000" pitchFamily="50" charset="-128"/>
-              </a:rPr>
-              <a:t>S</a:t>
+              <a:rPr lang="en-US" altLang="ja-JP" sz="700" dirty="0">
+                <a:latin typeface="游ゴシック Medium" panose="020B0500000000000000" pitchFamily="50" charset="-128"/>
+                <a:ea typeface="游ゴシック Medium" panose="020B0500000000000000" pitchFamily="50" charset="-128"/>
+              </a:rPr>
+              <a:t>T</a:t>
             </a:r>
             <a:r>
               <a:rPr lang="ja-JP" altLang="en-US" sz="700" dirty="0" smtClean="0">
